--- a/XBOX2NeoGeo/Manual.pptx
+++ b/XBOX2NeoGeo/Manual.pptx
@@ -5,12 +5,14 @@
     <p:sldMasterId id="2147483678" r:id="rId1"/>
   </p:sldMasterIdLst>
   <p:notesMasterIdLst>
-    <p:notesMasterId r:id="rId5"/>
+    <p:notesMasterId r:id="rId7"/>
   </p:notesMasterIdLst>
   <p:sldIdLst>
     <p:sldId id="256" r:id="rId2"/>
     <p:sldId id="286" r:id="rId3"/>
-    <p:sldId id="287" r:id="rId4"/>
+    <p:sldId id="288" r:id="rId4"/>
+    <p:sldId id="287" r:id="rId5"/>
+    <p:sldId id="289" r:id="rId6"/>
   </p:sldIdLst>
   <p:sldSz cx="12192000" cy="6858000"/>
   <p:notesSz cx="6858000" cy="9144000"/>
@@ -199,7 +201,7 @@
           <a:p>
             <a:fld id="{581C28D8-13B6-41C3-9F5F-0284C569C6F1}" type="datetimeFigureOut">
               <a:rPr kumimoji="1" lang="ja-JP" altLang="en-US" smtClean="0"/>
-              <a:t>2025/11/1</a:t>
+              <a:t>2025/11/14</a:t>
             </a:fld>
             <a:endParaRPr kumimoji="1" lang="ja-JP" altLang="en-US"/>
           </a:p>
@@ -647,7 +649,7 @@
           <a:p>
             <a:fld id="{E8D2F5C4-CB40-44D3-9C89-5ECCD9AB4B5C}" type="slidenum">
               <a:rPr kumimoji="1" lang="ja-JP" altLang="en-US" smtClean="0"/>
-              <a:t>3</a:t>
+              <a:t>4</a:t>
             </a:fld>
             <a:endParaRPr kumimoji="1" lang="ja-JP" altLang="en-US"/>
           </a:p>
@@ -854,7 +856,7 @@
           <a:p>
             <a:fld id="{B8625E62-B904-4691-B75E-EC1C32885285}" type="datetime1">
               <a:rPr kumimoji="1" lang="ja-JP" altLang="en-US" smtClean="0"/>
-              <a:t>2025/11/1</a:t>
+              <a:t>2025/11/14</a:t>
             </a:fld>
             <a:endParaRPr kumimoji="1" lang="ja-JP" altLang="en-US"/>
           </a:p>
@@ -1192,7 +1194,7 @@
           <a:p>
             <a:fld id="{A4C87007-2A40-4EFC-90A3-258EFA3C1001}" type="datetime1">
               <a:rPr kumimoji="1" lang="ja-JP" altLang="en-US" smtClean="0"/>
-              <a:t>2025/11/1</a:t>
+              <a:t>2025/11/14</a:t>
             </a:fld>
             <a:endParaRPr kumimoji="1" lang="ja-JP" altLang="en-US"/>
           </a:p>
@@ -1593,7 +1595,7 @@
           <a:p>
             <a:fld id="{0FE0D7FF-9203-4AA3-90FD-622674A14F90}" type="datetime1">
               <a:rPr kumimoji="1" lang="ja-JP" altLang="en-US" smtClean="0"/>
-              <a:t>2025/11/1</a:t>
+              <a:t>2025/11/14</a:t>
             </a:fld>
             <a:endParaRPr kumimoji="1" lang="ja-JP" altLang="en-US"/>
           </a:p>
@@ -1929,7 +1931,7 @@
           <a:p>
             <a:fld id="{D2D6E4D3-BEDB-4F35-876B-5B9AA41BFB5B}" type="datetime1">
               <a:rPr kumimoji="1" lang="ja-JP" altLang="en-US" smtClean="0"/>
-              <a:t>2025/11/1</a:t>
+              <a:t>2025/11/14</a:t>
             </a:fld>
             <a:endParaRPr kumimoji="1" lang="ja-JP" altLang="en-US"/>
           </a:p>
@@ -2249,7 +2251,7 @@
           <a:p>
             <a:fld id="{2ACD896E-FC14-4F25-BC47-18ABAEA9E1FE}" type="datetime1">
               <a:rPr kumimoji="1" lang="ja-JP" altLang="en-US" smtClean="0"/>
-              <a:t>2025/11/1</a:t>
+              <a:t>2025/11/14</a:t>
             </a:fld>
             <a:endParaRPr kumimoji="1" lang="ja-JP" altLang="en-US"/>
           </a:p>
@@ -2645,7 +2647,7 @@
           <a:p>
             <a:fld id="{54FC701B-2185-4987-B8E2-5507664B65F4}" type="datetime1">
               <a:rPr kumimoji="1" lang="ja-JP" altLang="en-US" smtClean="0"/>
-              <a:t>2025/11/1</a:t>
+              <a:t>2025/11/14</a:t>
             </a:fld>
             <a:endParaRPr kumimoji="1" lang="ja-JP" altLang="en-US"/>
           </a:p>
@@ -2934,7 +2936,7 @@
           <a:p>
             <a:fld id="{3FB4CDED-9617-418F-B546-D66B9BB6C35E}" type="datetime1">
               <a:rPr kumimoji="1" lang="ja-JP" altLang="en-US" smtClean="0"/>
-              <a:t>2025/11/1</a:t>
+              <a:t>2025/11/14</a:t>
             </a:fld>
             <a:endParaRPr kumimoji="1" lang="ja-JP" altLang="en-US"/>
           </a:p>
@@ -3228,7 +3230,7 @@
           <a:p>
             <a:fld id="{F5635D40-962A-46D7-8037-3F2900B5EB4D}" type="datetime1">
               <a:rPr kumimoji="1" lang="ja-JP" altLang="en-US" smtClean="0"/>
-              <a:t>2025/11/1</a:t>
+              <a:t>2025/11/14</a:t>
             </a:fld>
             <a:endParaRPr kumimoji="1" lang="ja-JP" altLang="en-US"/>
           </a:p>
@@ -3522,7 +3524,7 @@
           <a:p>
             <a:fld id="{741DA9A2-8356-4FFD-B66A-E38811049858}" type="datetime1">
               <a:rPr kumimoji="1" lang="ja-JP" altLang="en-US" smtClean="0"/>
-              <a:t>2025/11/1</a:t>
+              <a:t>2025/11/14</a:t>
             </a:fld>
             <a:endParaRPr kumimoji="1" lang="ja-JP" altLang="en-US"/>
           </a:p>
@@ -3851,7 +3853,7 @@
           <a:p>
             <a:fld id="{9DDE8989-88B8-4869-97D9-547531F13E13}" type="datetime1">
               <a:rPr kumimoji="1" lang="ja-JP" altLang="en-US" smtClean="0"/>
-              <a:t>2025/11/1</a:t>
+              <a:t>2025/11/14</a:t>
             </a:fld>
             <a:endParaRPr kumimoji="1" lang="ja-JP" altLang="en-US"/>
           </a:p>
@@ -4238,7 +4240,7 @@
           <a:p>
             <a:fld id="{81EC4031-B949-4300-AB3E-1551426E8631}" type="datetime1">
               <a:rPr kumimoji="1" lang="ja-JP" altLang="en-US" smtClean="0"/>
-              <a:t>2025/11/1</a:t>
+              <a:t>2025/11/14</a:t>
             </a:fld>
             <a:endParaRPr kumimoji="1" lang="ja-JP" altLang="en-US"/>
           </a:p>
@@ -4759,7 +4761,7 @@
           <a:p>
             <a:fld id="{F39E755E-A59D-4634-B604-E9BB568B1156}" type="datetime1">
               <a:rPr kumimoji="1" lang="ja-JP" altLang="en-US" smtClean="0"/>
-              <a:t>2025/11/1</a:t>
+              <a:t>2025/11/14</a:t>
             </a:fld>
             <a:endParaRPr kumimoji="1" lang="ja-JP" altLang="en-US"/>
           </a:p>
@@ -4964,7 +4966,7 @@
           <a:p>
             <a:fld id="{61DA38B3-7601-4256-ABFE-386B92B0EDB5}" type="datetime1">
               <a:rPr kumimoji="1" lang="ja-JP" altLang="en-US" smtClean="0"/>
-              <a:t>2025/11/1</a:t>
+              <a:t>2025/11/14</a:t>
             </a:fld>
             <a:endParaRPr kumimoji="1" lang="ja-JP" altLang="en-US"/>
           </a:p>
@@ -5141,7 +5143,7 @@
           <a:p>
             <a:fld id="{5A28ED6D-8A94-4DBA-8EF2-284D1A467CE8}" type="datetime1">
               <a:rPr kumimoji="1" lang="ja-JP" altLang="en-US" smtClean="0"/>
-              <a:t>2025/11/1</a:t>
+              <a:t>2025/11/14</a:t>
             </a:fld>
             <a:endParaRPr kumimoji="1" lang="ja-JP" altLang="en-US"/>
           </a:p>
@@ -5506,7 +5508,7 @@
           <a:p>
             <a:fld id="{B27B0317-28AF-43C5-8944-AADFA89E0149}" type="datetime1">
               <a:rPr kumimoji="1" lang="ja-JP" altLang="en-US" smtClean="0"/>
-              <a:t>2025/11/1</a:t>
+              <a:t>2025/11/14</a:t>
             </a:fld>
             <a:endParaRPr kumimoji="1" lang="ja-JP" altLang="en-US"/>
           </a:p>
@@ -5851,7 +5853,7 @@
           <a:p>
             <a:fld id="{A78D023C-C4FA-4CE8-B5BE-6798898EE377}" type="datetime1">
               <a:rPr kumimoji="1" lang="ja-JP" altLang="en-US" smtClean="0"/>
-              <a:t>2025/11/1</a:t>
+              <a:t>2025/11/14</a:t>
             </a:fld>
             <a:endParaRPr kumimoji="1" lang="ja-JP" altLang="en-US"/>
           </a:p>
@@ -8000,7 +8002,7 @@
           <a:p>
             <a:fld id="{99567159-F4A8-4352-915B-DDBEFEF4A4D6}" type="datetime1">
               <a:rPr kumimoji="1" lang="ja-JP" altLang="en-US" smtClean="0"/>
-              <a:t>2025/11/1</a:t>
+              <a:t>2025/11/14</a:t>
             </a:fld>
             <a:endParaRPr kumimoji="1" lang="ja-JP" altLang="en-US"/>
           </a:p>
@@ -9032,6 +9034,844 @@
           <p:cNvPr id="2" name="タイトル 1">
             <a:extLst>
               <a:ext uri="{FF2B5EF4-FFF2-40B4-BE49-F238E27FC236}">
+                <a16:creationId xmlns:a16="http://schemas.microsoft.com/office/drawing/2014/main" id="{585AA773-0F7A-C5AD-1323-50539CEE8143}"/>
+              </a:ext>
+            </a:extLst>
+          </p:cNvPr>
+          <p:cNvSpPr>
+            <a:spLocks noGrp="1"/>
+          </p:cNvSpPr>
+          <p:nvPr>
+            <p:ph type="title"/>
+          </p:nvPr>
+        </p:nvSpPr>
+        <p:spPr/>
+        <p:txBody>
+          <a:bodyPr/>
+          <a:lstStyle/>
+          <a:p>
+            <a:r>
+              <a:rPr kumimoji="1" lang="en-US" altLang="ja-JP" dirty="0"/>
+              <a:t>Connection</a:t>
+            </a:r>
+            <a:endParaRPr kumimoji="1" lang="ja-JP" altLang="en-US" dirty="0"/>
+          </a:p>
+        </p:txBody>
+      </p:sp>
+      <p:sp>
+        <p:nvSpPr>
+          <p:cNvPr id="4" name="スライド番号プレースホルダー 3">
+            <a:extLst>
+              <a:ext uri="{FF2B5EF4-FFF2-40B4-BE49-F238E27FC236}">
+                <a16:creationId xmlns:a16="http://schemas.microsoft.com/office/drawing/2014/main" id="{4E095F75-2E77-E017-51E9-922631BCE406}"/>
+              </a:ext>
+            </a:extLst>
+          </p:cNvPr>
+          <p:cNvSpPr>
+            <a:spLocks noGrp="1"/>
+          </p:cNvSpPr>
+          <p:nvPr>
+            <p:ph type="sldNum" sz="quarter" idx="12"/>
+          </p:nvPr>
+        </p:nvSpPr>
+        <p:spPr/>
+        <p:txBody>
+          <a:bodyPr/>
+          <a:lstStyle/>
+          <a:p>
+            <a:fld id="{E27E2812-4560-4165-A7C7-9C013F955547}" type="slidenum">
+              <a:rPr kumimoji="1" lang="ja-JP" altLang="en-US" smtClean="0"/>
+              <a:t>3</a:t>
+            </a:fld>
+            <a:endParaRPr kumimoji="1" lang="ja-JP" altLang="en-US"/>
+          </a:p>
+        </p:txBody>
+      </p:sp>
+      <p:sp>
+        <p:nvSpPr>
+          <p:cNvPr id="5" name="テキスト ボックス 4">
+            <a:extLst>
+              <a:ext uri="{FF2B5EF4-FFF2-40B4-BE49-F238E27FC236}">
+                <a16:creationId xmlns:a16="http://schemas.microsoft.com/office/drawing/2014/main" id="{1BF9C084-1422-ABCC-CE1B-AEACBFC18C14}"/>
+              </a:ext>
+            </a:extLst>
+          </p:cNvPr>
+          <p:cNvSpPr txBox="1"/>
+          <p:nvPr/>
+        </p:nvSpPr>
+        <p:spPr>
+          <a:xfrm>
+            <a:off x="727787" y="3418427"/>
+            <a:ext cx="2976465" cy="1200329"/>
+          </a:xfrm>
+          <a:prstGeom prst="rect">
+            <a:avLst/>
+          </a:prstGeom>
+        </p:spPr>
+        <p:style>
+          <a:lnRef idx="2">
+            <a:schemeClr val="dk1"/>
+          </a:lnRef>
+          <a:fillRef idx="1">
+            <a:schemeClr val="lt1"/>
+          </a:fillRef>
+          <a:effectRef idx="0">
+            <a:schemeClr val="dk1"/>
+          </a:effectRef>
+          <a:fontRef idx="minor">
+            <a:schemeClr val="dk1"/>
+          </a:fontRef>
+        </p:style>
+        <p:txBody>
+          <a:bodyPr wrap="square" rtlCol="0">
+            <a:spAutoFit/>
+          </a:bodyPr>
+          <a:lstStyle/>
+          <a:p>
+            <a:pPr algn="ctr"/>
+            <a:endParaRPr kumimoji="1" lang="en-US" altLang="ja-JP" dirty="0"/>
+          </a:p>
+          <a:p>
+            <a:pPr algn="ctr"/>
+            <a:r>
+              <a:rPr kumimoji="1" lang="en-US" altLang="ja-JP" dirty="0"/>
+              <a:t>PC</a:t>
+            </a:r>
+            <a:br>
+              <a:rPr kumimoji="1" lang="en-US" altLang="ja-JP" dirty="0"/>
+            </a:br>
+            <a:r>
+              <a:rPr kumimoji="1" lang="en-US" altLang="ja-JP" b="1" dirty="0"/>
+              <a:t>My tool</a:t>
+            </a:r>
+          </a:p>
+          <a:p>
+            <a:pPr algn="ctr"/>
+            <a:endParaRPr kumimoji="1" lang="ja-JP" altLang="en-US" dirty="0"/>
+          </a:p>
+        </p:txBody>
+      </p:sp>
+      <p:sp>
+        <p:nvSpPr>
+          <p:cNvPr id="6" name="テキスト ボックス 5">
+            <a:extLst>
+              <a:ext uri="{FF2B5EF4-FFF2-40B4-BE49-F238E27FC236}">
+                <a16:creationId xmlns:a16="http://schemas.microsoft.com/office/drawing/2014/main" id="{8D0E1AA1-E429-A889-52B1-07E10569EFD1}"/>
+              </a:ext>
+            </a:extLst>
+          </p:cNvPr>
+          <p:cNvSpPr txBox="1"/>
+          <p:nvPr/>
+        </p:nvSpPr>
+        <p:spPr>
+          <a:xfrm>
+            <a:off x="979712" y="5513151"/>
+            <a:ext cx="2472613" cy="369332"/>
+          </a:xfrm>
+          <a:prstGeom prst="rect">
+            <a:avLst/>
+          </a:prstGeom>
+          <a:ln w="12700">
+            <a:solidFill>
+              <a:schemeClr val="tx1"/>
+            </a:solidFill>
+          </a:ln>
+        </p:spPr>
+        <p:style>
+          <a:lnRef idx="2">
+            <a:schemeClr val="dk1"/>
+          </a:lnRef>
+          <a:fillRef idx="1">
+            <a:schemeClr val="lt1"/>
+          </a:fillRef>
+          <a:effectRef idx="0">
+            <a:schemeClr val="dk1"/>
+          </a:effectRef>
+          <a:fontRef idx="minor">
+            <a:schemeClr val="dk1"/>
+          </a:fontRef>
+        </p:style>
+        <p:txBody>
+          <a:bodyPr wrap="square" rtlCol="0">
+            <a:spAutoFit/>
+          </a:bodyPr>
+          <a:lstStyle/>
+          <a:p>
+            <a:pPr algn="ctr"/>
+            <a:r>
+              <a:rPr kumimoji="1" lang="en-US" altLang="ja-JP" dirty="0"/>
+              <a:t>XBOX Controller</a:t>
+            </a:r>
+            <a:endParaRPr kumimoji="1" lang="ja-JP" altLang="en-US" dirty="0"/>
+          </a:p>
+        </p:txBody>
+      </p:sp>
+      <p:cxnSp>
+        <p:nvCxnSpPr>
+          <p:cNvPr id="7" name="直線コネクタ 6">
+            <a:extLst>
+              <a:ext uri="{FF2B5EF4-FFF2-40B4-BE49-F238E27FC236}">
+                <a16:creationId xmlns:a16="http://schemas.microsoft.com/office/drawing/2014/main" id="{CA8F1F70-60D9-35D7-D864-512AF3119EA9}"/>
+              </a:ext>
+            </a:extLst>
+          </p:cNvPr>
+          <p:cNvCxnSpPr>
+            <a:cxnSpLocks/>
+            <a:stCxn id="5" idx="2"/>
+            <a:endCxn id="6" idx="0"/>
+          </p:cNvCxnSpPr>
+          <p:nvPr/>
+        </p:nvCxnSpPr>
+        <p:spPr>
+          <a:xfrm flipH="1">
+            <a:off x="2216019" y="4618756"/>
+            <a:ext cx="1" cy="894395"/>
+          </a:xfrm>
+          <a:prstGeom prst="line">
+            <a:avLst/>
+          </a:prstGeom>
+        </p:spPr>
+        <p:style>
+          <a:lnRef idx="1">
+            <a:schemeClr val="accent1"/>
+          </a:lnRef>
+          <a:fillRef idx="0">
+            <a:schemeClr val="accent1"/>
+          </a:fillRef>
+          <a:effectRef idx="0">
+            <a:schemeClr val="accent1"/>
+          </a:effectRef>
+          <a:fontRef idx="minor">
+            <a:schemeClr val="tx1"/>
+          </a:fontRef>
+        </p:style>
+      </p:cxnSp>
+      <p:sp>
+        <p:nvSpPr>
+          <p:cNvPr id="8" name="テキスト ボックス 7">
+            <a:extLst>
+              <a:ext uri="{FF2B5EF4-FFF2-40B4-BE49-F238E27FC236}">
+                <a16:creationId xmlns:a16="http://schemas.microsoft.com/office/drawing/2014/main" id="{0624BBDC-3F8B-4B4C-6CA6-48BE6DFE6437}"/>
+              </a:ext>
+            </a:extLst>
+          </p:cNvPr>
+          <p:cNvSpPr txBox="1"/>
+          <p:nvPr/>
+        </p:nvSpPr>
+        <p:spPr>
+          <a:xfrm>
+            <a:off x="4338733" y="4018592"/>
+            <a:ext cx="1576876" cy="369332"/>
+          </a:xfrm>
+          <a:prstGeom prst="rect">
+            <a:avLst/>
+          </a:prstGeom>
+          <a:ln w="38100">
+            <a:solidFill>
+              <a:schemeClr val="accent1"/>
+            </a:solidFill>
+          </a:ln>
+        </p:spPr>
+        <p:style>
+          <a:lnRef idx="2">
+            <a:schemeClr val="dk1"/>
+          </a:lnRef>
+          <a:fillRef idx="1">
+            <a:schemeClr val="lt1"/>
+          </a:fillRef>
+          <a:effectRef idx="0">
+            <a:schemeClr val="dk1"/>
+          </a:effectRef>
+          <a:fontRef idx="minor">
+            <a:schemeClr val="dk1"/>
+          </a:fontRef>
+        </p:style>
+        <p:txBody>
+          <a:bodyPr wrap="square" rtlCol="0">
+            <a:spAutoFit/>
+          </a:bodyPr>
+          <a:lstStyle/>
+          <a:p>
+            <a:pPr algn="ctr"/>
+            <a:r>
+              <a:rPr kumimoji="1" lang="en-US" altLang="ja-JP" b="1" dirty="0"/>
+              <a:t>FTD232H</a:t>
+            </a:r>
+            <a:endParaRPr kumimoji="1" lang="ja-JP" altLang="en-US" b="1" dirty="0"/>
+          </a:p>
+        </p:txBody>
+      </p:sp>
+      <p:cxnSp>
+        <p:nvCxnSpPr>
+          <p:cNvPr id="10" name="直線コネクタ 9">
+            <a:extLst>
+              <a:ext uri="{FF2B5EF4-FFF2-40B4-BE49-F238E27FC236}">
+                <a16:creationId xmlns:a16="http://schemas.microsoft.com/office/drawing/2014/main" id="{198CD6A7-1044-C8FE-3313-9023A8FEE2F3}"/>
+              </a:ext>
+            </a:extLst>
+          </p:cNvPr>
+          <p:cNvCxnSpPr>
+            <a:cxnSpLocks/>
+            <a:stCxn id="8" idx="3"/>
+          </p:cNvCxnSpPr>
+          <p:nvPr/>
+        </p:nvCxnSpPr>
+        <p:spPr>
+          <a:xfrm>
+            <a:off x="5915609" y="4203258"/>
+            <a:ext cx="486436" cy="0"/>
+          </a:xfrm>
+          <a:prstGeom prst="line">
+            <a:avLst/>
+          </a:prstGeom>
+        </p:spPr>
+        <p:style>
+          <a:lnRef idx="1">
+            <a:schemeClr val="accent1"/>
+          </a:lnRef>
+          <a:fillRef idx="0">
+            <a:schemeClr val="accent1"/>
+          </a:fillRef>
+          <a:effectRef idx="0">
+            <a:schemeClr val="accent1"/>
+          </a:effectRef>
+          <a:fontRef idx="minor">
+            <a:schemeClr val="tx1"/>
+          </a:fontRef>
+        </p:style>
+      </p:cxnSp>
+      <p:sp>
+        <p:nvSpPr>
+          <p:cNvPr id="12" name="テキスト ボックス 11">
+            <a:extLst>
+              <a:ext uri="{FF2B5EF4-FFF2-40B4-BE49-F238E27FC236}">
+                <a16:creationId xmlns:a16="http://schemas.microsoft.com/office/drawing/2014/main" id="{8F86B69C-4F1A-951B-7570-F30D9DD11ADB}"/>
+              </a:ext>
+            </a:extLst>
+          </p:cNvPr>
+          <p:cNvSpPr txBox="1"/>
+          <p:nvPr/>
+        </p:nvSpPr>
+        <p:spPr>
+          <a:xfrm>
+            <a:off x="1430693" y="4018592"/>
+            <a:ext cx="1576876" cy="369332"/>
+          </a:xfrm>
+          <a:prstGeom prst="rect">
+            <a:avLst/>
+          </a:prstGeom>
+          <a:ln w="38100">
+            <a:solidFill>
+              <a:schemeClr val="accent1"/>
+            </a:solidFill>
+          </a:ln>
+        </p:spPr>
+        <p:style>
+          <a:lnRef idx="2">
+            <a:schemeClr val="dk1"/>
+          </a:lnRef>
+          <a:fillRef idx="1">
+            <a:schemeClr val="lt1"/>
+          </a:fillRef>
+          <a:effectRef idx="0">
+            <a:schemeClr val="dk1"/>
+          </a:effectRef>
+          <a:fontRef idx="minor">
+            <a:schemeClr val="dk1"/>
+          </a:fontRef>
+        </p:style>
+        <p:txBody>
+          <a:bodyPr wrap="square" rtlCol="0">
+            <a:spAutoFit/>
+          </a:bodyPr>
+          <a:lstStyle/>
+          <a:p>
+            <a:pPr algn="ctr"/>
+            <a:r>
+              <a:rPr kumimoji="1" lang="en-US" altLang="ja-JP" b="1" dirty="0"/>
+              <a:t>This app</a:t>
+            </a:r>
+            <a:endParaRPr kumimoji="1" lang="ja-JP" altLang="en-US" b="1" dirty="0"/>
+          </a:p>
+        </p:txBody>
+      </p:sp>
+      <p:sp>
+        <p:nvSpPr>
+          <p:cNvPr id="13" name="テキスト ボックス 12">
+            <a:extLst>
+              <a:ext uri="{FF2B5EF4-FFF2-40B4-BE49-F238E27FC236}">
+                <a16:creationId xmlns:a16="http://schemas.microsoft.com/office/drawing/2014/main" id="{81BD898F-AB18-E14C-4C56-F489F523AE47}"/>
+              </a:ext>
+            </a:extLst>
+          </p:cNvPr>
+          <p:cNvSpPr txBox="1"/>
+          <p:nvPr/>
+        </p:nvSpPr>
+        <p:spPr>
+          <a:xfrm rot="5400000">
+            <a:off x="7300422" y="3750211"/>
+            <a:ext cx="2313666" cy="923330"/>
+          </a:xfrm>
+          <a:prstGeom prst="rect">
+            <a:avLst/>
+          </a:prstGeom>
+          <a:ln w="12700">
+            <a:solidFill>
+              <a:schemeClr val="tx1"/>
+            </a:solidFill>
+          </a:ln>
+        </p:spPr>
+        <p:style>
+          <a:lnRef idx="2">
+            <a:schemeClr val="dk1"/>
+          </a:lnRef>
+          <a:fillRef idx="1">
+            <a:schemeClr val="lt1"/>
+          </a:fillRef>
+          <a:effectRef idx="0">
+            <a:schemeClr val="dk1"/>
+          </a:effectRef>
+          <a:fontRef idx="minor">
+            <a:schemeClr val="dk1"/>
+          </a:fontRef>
+        </p:style>
+        <p:txBody>
+          <a:bodyPr wrap="square" rtlCol="0">
+            <a:spAutoFit/>
+          </a:bodyPr>
+          <a:lstStyle/>
+          <a:p>
+            <a:pPr algn="ctr"/>
+            <a:r>
+              <a:rPr kumimoji="1" lang="en-US" altLang="ja-JP" dirty="0"/>
+              <a:t>Controller Port compatible with NEOGEO</a:t>
+            </a:r>
+            <a:endParaRPr kumimoji="1" lang="ja-JP" altLang="en-US" dirty="0"/>
+          </a:p>
+        </p:txBody>
+      </p:sp>
+      <p:sp>
+        <p:nvSpPr>
+          <p:cNvPr id="14" name="正方形/長方形 13">
+            <a:extLst>
+              <a:ext uri="{FF2B5EF4-FFF2-40B4-BE49-F238E27FC236}">
+                <a16:creationId xmlns:a16="http://schemas.microsoft.com/office/drawing/2014/main" id="{4EF5E19A-AD58-2B3F-F7D2-94FA9AAB2658}"/>
+              </a:ext>
+            </a:extLst>
+          </p:cNvPr>
+          <p:cNvSpPr/>
+          <p:nvPr/>
+        </p:nvSpPr>
+        <p:spPr>
+          <a:xfrm>
+            <a:off x="9441907" y="2446099"/>
+            <a:ext cx="2416628" cy="3713583"/>
+          </a:xfrm>
+          <a:prstGeom prst="rect">
+            <a:avLst/>
+          </a:prstGeom>
+          <a:noFill/>
+          <a:ln>
+            <a:solidFill>
+              <a:schemeClr val="tx1"/>
+            </a:solidFill>
+          </a:ln>
+        </p:spPr>
+        <p:style>
+          <a:lnRef idx="2">
+            <a:schemeClr val="dk1">
+              <a:shade val="50000"/>
+            </a:schemeClr>
+          </a:lnRef>
+          <a:fillRef idx="1">
+            <a:schemeClr val="dk1"/>
+          </a:fillRef>
+          <a:effectRef idx="0">
+            <a:schemeClr val="dk1"/>
+          </a:effectRef>
+          <a:fontRef idx="minor">
+            <a:schemeClr val="lt1"/>
+          </a:fontRef>
+        </p:style>
+        <p:txBody>
+          <a:bodyPr wrap="none" rtlCol="0" anchor="ctr"/>
+          <a:lstStyle/>
+          <a:p>
+            <a:pPr algn="ctr"/>
+            <a:endParaRPr kumimoji="1" lang="ja-JP" altLang="en-US" dirty="0">
+              <a:solidFill>
+                <a:sysClr val="windowText" lastClr="000000"/>
+              </a:solidFill>
+              <a:latin typeface="F910新コミック体" panose="02000600000000000000" pitchFamily="50" charset="-128"/>
+              <a:ea typeface="F910新コミック体" panose="02000600000000000000" pitchFamily="50" charset="-128"/>
+            </a:endParaRPr>
+          </a:p>
+        </p:txBody>
+      </p:sp>
+      <p:sp>
+        <p:nvSpPr>
+          <p:cNvPr id="15" name="テキスト ボックス 14">
+            <a:extLst>
+              <a:ext uri="{FF2B5EF4-FFF2-40B4-BE49-F238E27FC236}">
+                <a16:creationId xmlns:a16="http://schemas.microsoft.com/office/drawing/2014/main" id="{0E046B0D-E094-E242-43F5-BAE09ED0AD62}"/>
+              </a:ext>
+            </a:extLst>
+          </p:cNvPr>
+          <p:cNvSpPr txBox="1"/>
+          <p:nvPr/>
+        </p:nvSpPr>
+        <p:spPr>
+          <a:xfrm>
+            <a:off x="9911557" y="4118224"/>
+            <a:ext cx="1477327" cy="369332"/>
+          </a:xfrm>
+          <a:prstGeom prst="rect">
+            <a:avLst/>
+          </a:prstGeom>
+          <a:noFill/>
+          <a:ln w="12700">
+            <a:noFill/>
+          </a:ln>
+        </p:spPr>
+        <p:style>
+          <a:lnRef idx="2">
+            <a:schemeClr val="dk1"/>
+          </a:lnRef>
+          <a:fillRef idx="1">
+            <a:schemeClr val="lt1"/>
+          </a:fillRef>
+          <a:effectRef idx="0">
+            <a:schemeClr val="dk1"/>
+          </a:effectRef>
+          <a:fontRef idx="minor">
+            <a:schemeClr val="dk1"/>
+          </a:fontRef>
+        </p:style>
+        <p:txBody>
+          <a:bodyPr wrap="square" rtlCol="0">
+            <a:spAutoFit/>
+          </a:bodyPr>
+          <a:lstStyle/>
+          <a:p>
+            <a:pPr algn="ctr"/>
+            <a:r>
+              <a:rPr kumimoji="1" lang="en-US" altLang="ja-JP" dirty="0"/>
+              <a:t>PCB</a:t>
+            </a:r>
+            <a:endParaRPr kumimoji="1" lang="ja-JP" altLang="en-US" dirty="0"/>
+          </a:p>
+        </p:txBody>
+      </p:sp>
+      <p:cxnSp>
+        <p:nvCxnSpPr>
+          <p:cNvPr id="16" name="直線コネクタ 15">
+            <a:extLst>
+              <a:ext uri="{FF2B5EF4-FFF2-40B4-BE49-F238E27FC236}">
+                <a16:creationId xmlns:a16="http://schemas.microsoft.com/office/drawing/2014/main" id="{96841E8F-921F-07B8-F4A5-D620C23BBCB9}"/>
+              </a:ext>
+            </a:extLst>
+          </p:cNvPr>
+          <p:cNvCxnSpPr>
+            <a:cxnSpLocks/>
+            <a:stCxn id="13" idx="0"/>
+            <a:endCxn id="17" idx="2"/>
+          </p:cNvCxnSpPr>
+          <p:nvPr/>
+        </p:nvCxnSpPr>
+        <p:spPr>
+          <a:xfrm flipV="1">
+            <a:off x="8918920" y="4211875"/>
+            <a:ext cx="338322" cy="1"/>
+          </a:xfrm>
+          <a:prstGeom prst="line">
+            <a:avLst/>
+          </a:prstGeom>
+        </p:spPr>
+        <p:style>
+          <a:lnRef idx="1">
+            <a:schemeClr val="accent1"/>
+          </a:lnRef>
+          <a:fillRef idx="0">
+            <a:schemeClr val="accent1"/>
+          </a:fillRef>
+          <a:effectRef idx="0">
+            <a:schemeClr val="accent1"/>
+          </a:effectRef>
+          <a:fontRef idx="minor">
+            <a:schemeClr val="tx1"/>
+          </a:fontRef>
+        </p:style>
+      </p:cxnSp>
+      <p:sp>
+        <p:nvSpPr>
+          <p:cNvPr id="17" name="テキスト ボックス 16">
+            <a:extLst>
+              <a:ext uri="{FF2B5EF4-FFF2-40B4-BE49-F238E27FC236}">
+                <a16:creationId xmlns:a16="http://schemas.microsoft.com/office/drawing/2014/main" id="{DB2BAB9F-A007-E697-0D59-25B85D8EFE40}"/>
+              </a:ext>
+            </a:extLst>
+          </p:cNvPr>
+          <p:cNvSpPr txBox="1"/>
+          <p:nvPr/>
+        </p:nvSpPr>
+        <p:spPr>
+          <a:xfrm rot="5400000">
+            <a:off x="8703244" y="4027208"/>
+            <a:ext cx="1477327" cy="369332"/>
+          </a:xfrm>
+          <a:prstGeom prst="rect">
+            <a:avLst/>
+          </a:prstGeom>
+          <a:ln w="12700">
+            <a:solidFill>
+              <a:schemeClr val="tx1"/>
+            </a:solidFill>
+          </a:ln>
+        </p:spPr>
+        <p:style>
+          <a:lnRef idx="2">
+            <a:schemeClr val="dk1"/>
+          </a:lnRef>
+          <a:fillRef idx="1">
+            <a:schemeClr val="lt1"/>
+          </a:fillRef>
+          <a:effectRef idx="0">
+            <a:schemeClr val="dk1"/>
+          </a:effectRef>
+          <a:fontRef idx="minor">
+            <a:schemeClr val="dk1"/>
+          </a:fontRef>
+        </p:style>
+        <p:txBody>
+          <a:bodyPr wrap="square" rtlCol="0">
+            <a:spAutoFit/>
+          </a:bodyPr>
+          <a:lstStyle/>
+          <a:p>
+            <a:pPr algn="ctr"/>
+            <a:r>
+              <a:rPr kumimoji="1" lang="en-US" altLang="ja-JP" dirty="0"/>
+              <a:t>JAMMA</a:t>
+            </a:r>
+            <a:endParaRPr kumimoji="1" lang="ja-JP" altLang="en-US" dirty="0"/>
+          </a:p>
+        </p:txBody>
+      </p:sp>
+      <p:sp>
+        <p:nvSpPr>
+          <p:cNvPr id="18" name="テキスト ボックス 17">
+            <a:extLst>
+              <a:ext uri="{FF2B5EF4-FFF2-40B4-BE49-F238E27FC236}">
+                <a16:creationId xmlns:a16="http://schemas.microsoft.com/office/drawing/2014/main" id="{DEB8018F-6D80-705A-5846-4385DBE3A2AC}"/>
+              </a:ext>
+            </a:extLst>
+          </p:cNvPr>
+          <p:cNvSpPr txBox="1"/>
+          <p:nvPr/>
+        </p:nvSpPr>
+        <p:spPr>
+          <a:xfrm>
+            <a:off x="6402045" y="4018592"/>
+            <a:ext cx="1651520" cy="369332"/>
+          </a:xfrm>
+          <a:prstGeom prst="rect">
+            <a:avLst/>
+          </a:prstGeom>
+          <a:ln w="38100">
+            <a:solidFill>
+              <a:schemeClr val="accent1"/>
+            </a:solidFill>
+          </a:ln>
+        </p:spPr>
+        <p:style>
+          <a:lnRef idx="2">
+            <a:schemeClr val="dk1"/>
+          </a:lnRef>
+          <a:fillRef idx="1">
+            <a:schemeClr val="lt1"/>
+          </a:fillRef>
+          <a:effectRef idx="0">
+            <a:schemeClr val="dk1"/>
+          </a:effectRef>
+          <a:fontRef idx="minor">
+            <a:schemeClr val="dk1"/>
+          </a:fontRef>
+        </p:style>
+        <p:txBody>
+          <a:bodyPr wrap="square" rtlCol="0">
+            <a:spAutoFit/>
+          </a:bodyPr>
+          <a:lstStyle/>
+          <a:p>
+            <a:pPr algn="ctr"/>
+            <a:r>
+              <a:rPr kumimoji="1" lang="en-US" altLang="ja-JP" b="1" dirty="0"/>
+              <a:t>DSUB 16pin</a:t>
+            </a:r>
+            <a:endParaRPr kumimoji="1" lang="ja-JP" altLang="en-US" b="1" dirty="0"/>
+          </a:p>
+        </p:txBody>
+      </p:sp>
+      <p:cxnSp>
+        <p:nvCxnSpPr>
+          <p:cNvPr id="23" name="直線コネクタ 22">
+            <a:extLst>
+              <a:ext uri="{FF2B5EF4-FFF2-40B4-BE49-F238E27FC236}">
+                <a16:creationId xmlns:a16="http://schemas.microsoft.com/office/drawing/2014/main" id="{247AD42F-00D6-F53D-ACBE-4DB6AA933858}"/>
+              </a:ext>
+            </a:extLst>
+          </p:cNvPr>
+          <p:cNvCxnSpPr>
+            <a:cxnSpLocks/>
+            <a:endCxn id="8" idx="1"/>
+          </p:cNvCxnSpPr>
+          <p:nvPr/>
+        </p:nvCxnSpPr>
+        <p:spPr>
+          <a:xfrm flipV="1">
+            <a:off x="3704252" y="4203258"/>
+            <a:ext cx="634481" cy="8616"/>
+          </a:xfrm>
+          <a:prstGeom prst="line">
+            <a:avLst/>
+          </a:prstGeom>
+        </p:spPr>
+        <p:style>
+          <a:lnRef idx="1">
+            <a:schemeClr val="accent1"/>
+          </a:lnRef>
+          <a:fillRef idx="0">
+            <a:schemeClr val="accent1"/>
+          </a:fillRef>
+          <a:effectRef idx="0">
+            <a:schemeClr val="accent1"/>
+          </a:effectRef>
+          <a:fontRef idx="minor">
+            <a:schemeClr val="tx1"/>
+          </a:fontRef>
+        </p:style>
+      </p:cxnSp>
+      <p:sp>
+        <p:nvSpPr>
+          <p:cNvPr id="27" name="テキスト ボックス 26">
+            <a:extLst>
+              <a:ext uri="{FF2B5EF4-FFF2-40B4-BE49-F238E27FC236}">
+                <a16:creationId xmlns:a16="http://schemas.microsoft.com/office/drawing/2014/main" id="{59396E5B-1EE6-06DC-12A9-F25B12BE6DC7}"/>
+              </a:ext>
+            </a:extLst>
+          </p:cNvPr>
+          <p:cNvSpPr txBox="1"/>
+          <p:nvPr/>
+        </p:nvSpPr>
+        <p:spPr>
+          <a:xfrm rot="5400000">
+            <a:off x="3330295" y="4018593"/>
+            <a:ext cx="655497" cy="369332"/>
+          </a:xfrm>
+          <a:prstGeom prst="rect">
+            <a:avLst/>
+          </a:prstGeom>
+          <a:solidFill>
+            <a:schemeClr val="bg1"/>
+          </a:solidFill>
+          <a:ln>
+            <a:solidFill>
+              <a:schemeClr val="tx1"/>
+            </a:solidFill>
+          </a:ln>
+        </p:spPr>
+        <p:txBody>
+          <a:bodyPr wrap="square">
+            <a:spAutoFit/>
+          </a:bodyPr>
+          <a:lstStyle/>
+          <a:p>
+            <a:r>
+              <a:rPr kumimoji="1" lang="en-US" altLang="ja-JP" dirty="0"/>
+              <a:t>USB</a:t>
+            </a:r>
+            <a:endParaRPr lang="ja-JP" altLang="en-US" dirty="0"/>
+          </a:p>
+        </p:txBody>
+      </p:sp>
+      <p:sp>
+        <p:nvSpPr>
+          <p:cNvPr id="28" name="テキスト ボックス 27">
+            <a:extLst>
+              <a:ext uri="{FF2B5EF4-FFF2-40B4-BE49-F238E27FC236}">
+                <a16:creationId xmlns:a16="http://schemas.microsoft.com/office/drawing/2014/main" id="{BA2955BD-400A-8474-4AF8-9EEEEBC0B22C}"/>
+              </a:ext>
+            </a:extLst>
+          </p:cNvPr>
+          <p:cNvSpPr txBox="1"/>
+          <p:nvPr/>
+        </p:nvSpPr>
+        <p:spPr>
+          <a:xfrm>
+            <a:off x="1888269" y="4507177"/>
+            <a:ext cx="655497" cy="369332"/>
+          </a:xfrm>
+          <a:prstGeom prst="rect">
+            <a:avLst/>
+          </a:prstGeom>
+          <a:solidFill>
+            <a:schemeClr val="bg1"/>
+          </a:solidFill>
+          <a:ln>
+            <a:solidFill>
+              <a:schemeClr val="tx1"/>
+            </a:solidFill>
+          </a:ln>
+        </p:spPr>
+        <p:txBody>
+          <a:bodyPr wrap="square">
+            <a:spAutoFit/>
+          </a:bodyPr>
+          <a:lstStyle/>
+          <a:p>
+            <a:r>
+              <a:rPr kumimoji="1" lang="en-US" altLang="ja-JP" dirty="0"/>
+              <a:t>USB</a:t>
+            </a:r>
+            <a:endParaRPr lang="ja-JP" altLang="en-US" dirty="0"/>
+          </a:p>
+        </p:txBody>
+      </p:sp>
+    </p:spTree>
+    <p:extLst>
+      <p:ext uri="{BB962C8B-B14F-4D97-AF65-F5344CB8AC3E}">
+        <p14:creationId xmlns:p14="http://schemas.microsoft.com/office/powerpoint/2010/main" val="3939177670"/>
+      </p:ext>
+    </p:extLst>
+  </p:cSld>
+  <p:clrMapOvr>
+    <a:masterClrMapping/>
+  </p:clrMapOvr>
+</p:sld>
+</file>
+
+<file path=ppt/slides/slide4.xml><?xml version="1.0" encoding="utf-8"?>
+<p:sld xmlns:a="http://schemas.openxmlformats.org/drawingml/2006/main" xmlns:r="http://schemas.openxmlformats.org/officeDocument/2006/relationships" xmlns:p="http://schemas.openxmlformats.org/presentationml/2006/main">
+  <p:cSld>
+    <p:spTree>
+      <p:nvGrpSpPr>
+        <p:cNvPr id="1" name=""/>
+        <p:cNvGrpSpPr/>
+        <p:nvPr/>
+      </p:nvGrpSpPr>
+      <p:grpSpPr>
+        <a:xfrm>
+          <a:off x="0" y="0"/>
+          <a:ext cx="0" cy="0"/>
+          <a:chOff x="0" y="0"/>
+          <a:chExt cx="0" cy="0"/>
+        </a:xfrm>
+      </p:grpSpPr>
+      <p:sp>
+        <p:nvSpPr>
+          <p:cNvPr id="2" name="タイトル 1">
+            <a:extLst>
+              <a:ext uri="{FF2B5EF4-FFF2-40B4-BE49-F238E27FC236}">
                 <a16:creationId xmlns:a16="http://schemas.microsoft.com/office/drawing/2014/main" id="{DF515C61-C958-43BC-BAFF-3C6346E55E36}"/>
               </a:ext>
             </a:extLst>
@@ -9079,7 +9919,7 @@
           <a:p>
             <a:fld id="{E27E2812-4560-4165-A7C7-9C013F955547}" type="slidenum">
               <a:rPr kumimoji="1" lang="ja-JP" altLang="en-US" smtClean="0"/>
-              <a:t>3</a:t>
+              <a:t>4</a:t>
             </a:fld>
             <a:endParaRPr kumimoji="1" lang="ja-JP" altLang="en-US"/>
           </a:p>
@@ -9185,6 +10025,494 @@
     <p:extLst>
       <p:ext uri="{BB962C8B-B14F-4D97-AF65-F5344CB8AC3E}">
         <p14:creationId xmlns:p14="http://schemas.microsoft.com/office/powerpoint/2010/main" val="2004835426"/>
+      </p:ext>
+    </p:extLst>
+  </p:cSld>
+  <p:clrMapOvr>
+    <a:masterClrMapping/>
+  </p:clrMapOvr>
+</p:sld>
+</file>
+
+<file path=ppt/slides/slide5.xml><?xml version="1.0" encoding="utf-8"?>
+<p:sld xmlns:a="http://schemas.openxmlformats.org/drawingml/2006/main" xmlns:r="http://schemas.openxmlformats.org/officeDocument/2006/relationships" xmlns:p="http://schemas.openxmlformats.org/presentationml/2006/main">
+  <p:cSld>
+    <p:spTree>
+      <p:nvGrpSpPr>
+        <p:cNvPr id="1" name=""/>
+        <p:cNvGrpSpPr/>
+        <p:nvPr/>
+      </p:nvGrpSpPr>
+      <p:grpSpPr>
+        <a:xfrm>
+          <a:off x="0" y="0"/>
+          <a:ext cx="0" cy="0"/>
+          <a:chOff x="0" y="0"/>
+          <a:chExt cx="0" cy="0"/>
+        </a:xfrm>
+      </p:grpSpPr>
+      <p:sp>
+        <p:nvSpPr>
+          <p:cNvPr id="2" name="タイトル 1">
+            <a:extLst>
+              <a:ext uri="{FF2B5EF4-FFF2-40B4-BE49-F238E27FC236}">
+                <a16:creationId xmlns:a16="http://schemas.microsoft.com/office/drawing/2014/main" id="{BC9B293B-6996-CA4A-66C4-45878795C0B8}"/>
+              </a:ext>
+            </a:extLst>
+          </p:cNvPr>
+          <p:cNvSpPr>
+            <a:spLocks noGrp="1"/>
+          </p:cNvSpPr>
+          <p:nvPr>
+            <p:ph type="title"/>
+          </p:nvPr>
+        </p:nvSpPr>
+        <p:spPr/>
+        <p:txBody>
+          <a:bodyPr/>
+          <a:lstStyle/>
+          <a:p>
+            <a:r>
+              <a:rPr kumimoji="1" lang="en-US" altLang="ja-JP" dirty="0"/>
+              <a:t>Tips</a:t>
+            </a:r>
+            <a:endParaRPr kumimoji="1" lang="ja-JP" altLang="en-US" dirty="0"/>
+          </a:p>
+        </p:txBody>
+      </p:sp>
+      <p:sp>
+        <p:nvSpPr>
+          <p:cNvPr id="4" name="スライド番号プレースホルダー 3">
+            <a:extLst>
+              <a:ext uri="{FF2B5EF4-FFF2-40B4-BE49-F238E27FC236}">
+                <a16:creationId xmlns:a16="http://schemas.microsoft.com/office/drawing/2014/main" id="{92781A37-CCAF-B3CC-1AA9-4D79E30D4140}"/>
+              </a:ext>
+            </a:extLst>
+          </p:cNvPr>
+          <p:cNvSpPr>
+            <a:spLocks noGrp="1"/>
+          </p:cNvSpPr>
+          <p:nvPr>
+            <p:ph type="sldNum" sz="quarter" idx="12"/>
+          </p:nvPr>
+        </p:nvSpPr>
+        <p:spPr/>
+        <p:txBody>
+          <a:bodyPr/>
+          <a:lstStyle/>
+          <a:p>
+            <a:fld id="{E27E2812-4560-4165-A7C7-9C013F955547}" type="slidenum">
+              <a:rPr kumimoji="1" lang="ja-JP" altLang="en-US" smtClean="0"/>
+              <a:t>5</a:t>
+            </a:fld>
+            <a:endParaRPr kumimoji="1" lang="ja-JP" altLang="en-US"/>
+          </a:p>
+        </p:txBody>
+      </p:sp>
+      <p:pic>
+        <p:nvPicPr>
+          <p:cNvPr id="5" name="図 4">
+            <a:extLst>
+              <a:ext uri="{FF2B5EF4-FFF2-40B4-BE49-F238E27FC236}">
+                <a16:creationId xmlns:a16="http://schemas.microsoft.com/office/drawing/2014/main" id="{1B6DCDD2-B779-C96A-2968-857516CD30A3}"/>
+              </a:ext>
+            </a:extLst>
+          </p:cNvPr>
+          <p:cNvPicPr>
+            <a:picLocks noChangeAspect="1"/>
+          </p:cNvPicPr>
+          <p:nvPr/>
+        </p:nvPicPr>
+        <p:blipFill>
+          <a:blip r:embed="rId2"/>
+          <a:stretch>
+            <a:fillRect/>
+          </a:stretch>
+        </p:blipFill>
+        <p:spPr>
+          <a:xfrm>
+            <a:off x="1311578" y="1971693"/>
+            <a:ext cx="4784421" cy="4776992"/>
+          </a:xfrm>
+          <a:prstGeom prst="rect">
+            <a:avLst/>
+          </a:prstGeom>
+        </p:spPr>
+      </p:pic>
+      <p:sp>
+        <p:nvSpPr>
+          <p:cNvPr id="6" name="四角形: 角を丸くする 5">
+            <a:extLst>
+              <a:ext uri="{FF2B5EF4-FFF2-40B4-BE49-F238E27FC236}">
+                <a16:creationId xmlns:a16="http://schemas.microsoft.com/office/drawing/2014/main" id="{440715AF-D296-37D3-C5EE-F8B1CEBE8832}"/>
+              </a:ext>
+            </a:extLst>
+          </p:cNvPr>
+          <p:cNvSpPr/>
+          <p:nvPr/>
+        </p:nvSpPr>
+        <p:spPr>
+          <a:xfrm>
+            <a:off x="5495453" y="4897925"/>
+            <a:ext cx="329240" cy="556624"/>
+          </a:xfrm>
+          <a:prstGeom prst="roundRect">
+            <a:avLst/>
+          </a:prstGeom>
+          <a:noFill/>
+          <a:ln>
+            <a:solidFill>
+              <a:srgbClr val="FF0000"/>
+            </a:solidFill>
+          </a:ln>
+        </p:spPr>
+        <p:style>
+          <a:lnRef idx="2">
+            <a:schemeClr val="dk1">
+              <a:shade val="50000"/>
+            </a:schemeClr>
+          </a:lnRef>
+          <a:fillRef idx="1">
+            <a:schemeClr val="dk1"/>
+          </a:fillRef>
+          <a:effectRef idx="0">
+            <a:schemeClr val="dk1"/>
+          </a:effectRef>
+          <a:fontRef idx="minor">
+            <a:schemeClr val="lt1"/>
+          </a:fontRef>
+        </p:style>
+        <p:txBody>
+          <a:bodyPr wrap="none" rtlCol="0" anchor="ctr"/>
+          <a:lstStyle/>
+          <a:p>
+            <a:pPr algn="ctr"/>
+            <a:endParaRPr kumimoji="1" lang="ja-JP" altLang="en-US" dirty="0">
+              <a:solidFill>
+                <a:sysClr val="windowText" lastClr="000000"/>
+              </a:solidFill>
+              <a:latin typeface="F910新コミック体" panose="02000600000000000000" pitchFamily="50" charset="-128"/>
+              <a:ea typeface="F910新コミック体" panose="02000600000000000000" pitchFamily="50" charset="-128"/>
+            </a:endParaRPr>
+          </a:p>
+        </p:txBody>
+      </p:sp>
+      <p:sp>
+        <p:nvSpPr>
+          <p:cNvPr id="7" name="吹き出し: 四角形 6">
+            <a:extLst>
+              <a:ext uri="{FF2B5EF4-FFF2-40B4-BE49-F238E27FC236}">
+                <a16:creationId xmlns:a16="http://schemas.microsoft.com/office/drawing/2014/main" id="{AB948C34-3E9E-C284-EFE4-7C644438E11D}"/>
+              </a:ext>
+            </a:extLst>
+          </p:cNvPr>
+          <p:cNvSpPr/>
+          <p:nvPr/>
+        </p:nvSpPr>
+        <p:spPr>
+          <a:xfrm>
+            <a:off x="6320324" y="4268293"/>
+            <a:ext cx="5871676" cy="1614196"/>
+          </a:xfrm>
+          <a:prstGeom prst="wedgeRectCallout">
+            <a:avLst>
+              <a:gd name="adj1" fmla="val -59983"/>
+              <a:gd name="adj2" fmla="val 5884"/>
+            </a:avLst>
+          </a:prstGeom>
+          <a:solidFill>
+            <a:schemeClr val="accent2">
+              <a:alpha val="50000"/>
+            </a:schemeClr>
+          </a:solidFill>
+          <a:ln>
+            <a:noFill/>
+          </a:ln>
+        </p:spPr>
+        <p:style>
+          <a:lnRef idx="0">
+            <a:scrgbClr r="0" g="0" b="0"/>
+          </a:lnRef>
+          <a:fillRef idx="0">
+            <a:scrgbClr r="0" g="0" b="0"/>
+          </a:fillRef>
+          <a:effectRef idx="0">
+            <a:scrgbClr r="0" g="0" b="0"/>
+          </a:effectRef>
+          <a:fontRef idx="minor">
+            <a:schemeClr val="lt1"/>
+          </a:fontRef>
+        </p:style>
+        <p:txBody>
+          <a:bodyPr wrap="none" rtlCol="0" anchor="ctr"/>
+          <a:lstStyle/>
+          <a:p>
+            <a:r>
+              <a:rPr kumimoji="1" lang="en-US" altLang="ja-JP" sz="1400" dirty="0">
+                <a:solidFill>
+                  <a:sysClr val="windowText" lastClr="000000"/>
+                </a:solidFill>
+                <a:latin typeface="F910新コミック体" panose="02000600000000000000" pitchFamily="50" charset="-128"/>
+                <a:ea typeface="F910新コミック体" panose="02000600000000000000" pitchFamily="50" charset="-128"/>
+              </a:rPr>
+              <a:t>This settings </a:t>
+            </a:r>
+            <a:r>
+              <a:rPr lang="en-US" altLang="ja-JP" sz="1400" dirty="0">
+                <a:solidFill>
+                  <a:sysClr val="windowText" lastClr="000000"/>
+                </a:solidFill>
+                <a:latin typeface="F910新コミック体" panose="02000600000000000000" pitchFamily="50" charset="-128"/>
+                <a:ea typeface="F910新コミック体" panose="02000600000000000000" pitchFamily="50" charset="-128"/>
+              </a:rPr>
+              <a:t>enabled “</a:t>
+            </a:r>
+            <a:r>
+              <a:rPr kumimoji="1" lang="en-US" altLang="ja-JP" sz="1400" dirty="0">
+                <a:solidFill>
+                  <a:sysClr val="windowText" lastClr="000000"/>
+                </a:solidFill>
+                <a:latin typeface="F910新コミック体" panose="02000600000000000000" pitchFamily="50" charset="-128"/>
+                <a:ea typeface="F910新コミック体" panose="02000600000000000000" pitchFamily="50" charset="-128"/>
+              </a:rPr>
+              <a:t>Pseudo Analog”.</a:t>
+            </a:r>
+          </a:p>
+          <a:p>
+            <a:r>
+              <a:rPr lang="en-US" altLang="ja-JP" sz="1400" dirty="0">
+                <a:solidFill>
+                  <a:sysClr val="windowText" lastClr="000000"/>
+                </a:solidFill>
+                <a:latin typeface="F910新コミック体" panose="02000600000000000000" pitchFamily="50" charset="-128"/>
+                <a:ea typeface="F910新コミック体" panose="02000600000000000000" pitchFamily="50" charset="-128"/>
+              </a:rPr>
+              <a:t>It means…</a:t>
+            </a:r>
+            <a:br>
+              <a:rPr lang="en-US" altLang="ja-JP" sz="1400" dirty="0">
+                <a:solidFill>
+                  <a:sysClr val="windowText" lastClr="000000"/>
+                </a:solidFill>
+                <a:latin typeface="F910新コミック体" panose="02000600000000000000" pitchFamily="50" charset="-128"/>
+                <a:ea typeface="F910新コミック体" panose="02000600000000000000" pitchFamily="50" charset="-128"/>
+              </a:rPr>
+            </a:br>
+            <a:r>
+              <a:rPr lang="en-US" altLang="ja-JP" sz="1400" dirty="0">
+                <a:solidFill>
+                  <a:sysClr val="windowText" lastClr="000000"/>
+                </a:solidFill>
+                <a:latin typeface="F910新コミック体" panose="02000600000000000000" pitchFamily="50" charset="-128"/>
+                <a:ea typeface="F910新コミック体" panose="02000600000000000000" pitchFamily="50" charset="-128"/>
+              </a:rPr>
+              <a:t>- When you press the trigger slightly, the satellite moves slowly.</a:t>
+            </a:r>
+          </a:p>
+          <a:p>
+            <a:r>
+              <a:rPr lang="en-US" altLang="ja-JP" sz="1400" dirty="0">
+                <a:solidFill>
+                  <a:sysClr val="windowText" lastClr="000000"/>
+                </a:solidFill>
+                <a:latin typeface="F910新コミック体" panose="02000600000000000000" pitchFamily="50" charset="-128"/>
+                <a:ea typeface="F910新コミック体" panose="02000600000000000000" pitchFamily="50" charset="-128"/>
+              </a:rPr>
+              <a:t>- When you press the trigger fully, the satellite moves at full speed.</a:t>
+            </a:r>
+            <a:endParaRPr kumimoji="1" lang="ja-JP" altLang="en-US" sz="1400" dirty="0">
+              <a:solidFill>
+                <a:sysClr val="windowText" lastClr="000000"/>
+              </a:solidFill>
+              <a:latin typeface="F910新コミック体" panose="02000600000000000000" pitchFamily="50" charset="-128"/>
+              <a:ea typeface="F910新コミック体" panose="02000600000000000000" pitchFamily="50" charset="-128"/>
+            </a:endParaRPr>
+          </a:p>
+        </p:txBody>
+      </p:sp>
+      <p:sp>
+        <p:nvSpPr>
+          <p:cNvPr id="8" name="吹き出し: 四角形 7">
+            <a:extLst>
+              <a:ext uri="{FF2B5EF4-FFF2-40B4-BE49-F238E27FC236}">
+                <a16:creationId xmlns:a16="http://schemas.microsoft.com/office/drawing/2014/main" id="{6A0CB696-5B83-81D3-F61C-BF774BDA9DD2}"/>
+              </a:ext>
+            </a:extLst>
+          </p:cNvPr>
+          <p:cNvSpPr/>
+          <p:nvPr/>
+        </p:nvSpPr>
+        <p:spPr>
+          <a:xfrm>
+            <a:off x="6320324" y="2167890"/>
+            <a:ext cx="5871676" cy="1614196"/>
+          </a:xfrm>
+          <a:prstGeom prst="wedgeRectCallout">
+            <a:avLst>
+              <a:gd name="adj1" fmla="val -59212"/>
+              <a:gd name="adj2" fmla="val 28879"/>
+            </a:avLst>
+          </a:prstGeom>
+          <a:solidFill>
+            <a:schemeClr val="accent2">
+              <a:alpha val="50000"/>
+            </a:schemeClr>
+          </a:solidFill>
+          <a:ln>
+            <a:noFill/>
+          </a:ln>
+        </p:spPr>
+        <p:style>
+          <a:lnRef idx="0">
+            <a:scrgbClr r="0" g="0" b="0"/>
+          </a:lnRef>
+          <a:fillRef idx="0">
+            <a:scrgbClr r="0" g="0" b="0"/>
+          </a:fillRef>
+          <a:effectRef idx="0">
+            <a:scrgbClr r="0" g="0" b="0"/>
+          </a:effectRef>
+          <a:fontRef idx="minor">
+            <a:schemeClr val="lt1"/>
+          </a:fontRef>
+        </p:style>
+        <p:txBody>
+          <a:bodyPr wrap="none" rtlCol="0" anchor="ctr"/>
+          <a:lstStyle/>
+          <a:p>
+            <a:r>
+              <a:rPr kumimoji="1" lang="en-US" altLang="ja-JP" sz="1400" dirty="0">
+                <a:solidFill>
+                  <a:sysClr val="windowText" lastClr="000000"/>
+                </a:solidFill>
+                <a:latin typeface="F910新コミック体" panose="02000600000000000000" pitchFamily="50" charset="-128"/>
+                <a:ea typeface="F910新コミック体" panose="02000600000000000000" pitchFamily="50" charset="-128"/>
+              </a:rPr>
+              <a:t>This settings </a:t>
+            </a:r>
+            <a:r>
+              <a:rPr lang="en-US" altLang="ja-JP" sz="1400" dirty="0">
+                <a:solidFill>
+                  <a:sysClr val="windowText" lastClr="000000"/>
+                </a:solidFill>
+                <a:latin typeface="F910新コミック体" panose="02000600000000000000" pitchFamily="50" charset="-128"/>
+                <a:ea typeface="F910新コミック体" panose="02000600000000000000" pitchFamily="50" charset="-128"/>
+              </a:rPr>
+              <a:t>enabled “</a:t>
+            </a:r>
+            <a:r>
+              <a:rPr kumimoji="1" lang="en-US" altLang="ja-JP" sz="1400" dirty="0">
+                <a:solidFill>
+                  <a:sysClr val="windowText" lastClr="000000"/>
+                </a:solidFill>
+                <a:latin typeface="F910新コミック体" panose="02000600000000000000" pitchFamily="50" charset="-128"/>
+                <a:ea typeface="F910新コミック体" panose="02000600000000000000" pitchFamily="50" charset="-128"/>
+              </a:rPr>
+              <a:t>Pseudo Analog”.</a:t>
+            </a:r>
+          </a:p>
+          <a:p>
+            <a:r>
+              <a:rPr lang="en-US" altLang="ja-JP" sz="1400" dirty="0">
+                <a:solidFill>
+                  <a:sysClr val="windowText" lastClr="000000"/>
+                </a:solidFill>
+                <a:latin typeface="F910新コミック体" panose="02000600000000000000" pitchFamily="50" charset="-128"/>
+                <a:ea typeface="F910新コミック体" panose="02000600000000000000" pitchFamily="50" charset="-128"/>
+              </a:rPr>
+              <a:t>It means…</a:t>
+            </a:r>
+            <a:br>
+              <a:rPr lang="en-US" altLang="ja-JP" sz="1400" dirty="0">
+                <a:solidFill>
+                  <a:sysClr val="windowText" lastClr="000000"/>
+                </a:solidFill>
+                <a:latin typeface="F910新コミック体" panose="02000600000000000000" pitchFamily="50" charset="-128"/>
+                <a:ea typeface="F910新コミック体" panose="02000600000000000000" pitchFamily="50" charset="-128"/>
+              </a:rPr>
+            </a:br>
+            <a:r>
+              <a:rPr lang="en-US" altLang="ja-JP" sz="1400" dirty="0">
+                <a:solidFill>
+                  <a:sysClr val="windowText" lastClr="000000"/>
+                </a:solidFill>
+                <a:latin typeface="F910新コミック体" panose="02000600000000000000" pitchFamily="50" charset="-128"/>
+                <a:ea typeface="F910新コミック体" panose="02000600000000000000" pitchFamily="50" charset="-128"/>
+              </a:rPr>
+              <a:t>- Tilt the stick slightly to move slowly.</a:t>
+            </a:r>
+            <a:endParaRPr kumimoji="1" lang="ja-JP" altLang="en-US" sz="1400" dirty="0">
+              <a:solidFill>
+                <a:sysClr val="windowText" lastClr="000000"/>
+              </a:solidFill>
+              <a:latin typeface="F910新コミック体" panose="02000600000000000000" pitchFamily="50" charset="-128"/>
+              <a:ea typeface="F910新コミック体" panose="02000600000000000000" pitchFamily="50" charset="-128"/>
+            </a:endParaRPr>
+          </a:p>
+        </p:txBody>
+      </p:sp>
+      <p:sp>
+        <p:nvSpPr>
+          <p:cNvPr id="9" name="四角形: 角を丸くする 8">
+            <a:extLst>
+              <a:ext uri="{FF2B5EF4-FFF2-40B4-BE49-F238E27FC236}">
+                <a16:creationId xmlns:a16="http://schemas.microsoft.com/office/drawing/2014/main" id="{40830C63-4387-373C-5DB0-AF7FBDBC88A9}"/>
+              </a:ext>
+            </a:extLst>
+          </p:cNvPr>
+          <p:cNvSpPr/>
+          <p:nvPr/>
+        </p:nvSpPr>
+        <p:spPr>
+          <a:xfrm>
+            <a:off x="5495453" y="3052615"/>
+            <a:ext cx="329240" cy="1338316"/>
+          </a:xfrm>
+          <a:prstGeom prst="roundRect">
+            <a:avLst/>
+          </a:prstGeom>
+          <a:noFill/>
+          <a:ln>
+            <a:solidFill>
+              <a:srgbClr val="FF0000"/>
+            </a:solidFill>
+          </a:ln>
+        </p:spPr>
+        <p:style>
+          <a:lnRef idx="2">
+            <a:schemeClr val="dk1">
+              <a:shade val="50000"/>
+            </a:schemeClr>
+          </a:lnRef>
+          <a:fillRef idx="1">
+            <a:schemeClr val="dk1"/>
+          </a:fillRef>
+          <a:effectRef idx="0">
+            <a:schemeClr val="dk1"/>
+          </a:effectRef>
+          <a:fontRef idx="minor">
+            <a:schemeClr val="lt1"/>
+          </a:fontRef>
+        </p:style>
+        <p:txBody>
+          <a:bodyPr wrap="none" rtlCol="0" anchor="ctr"/>
+          <a:lstStyle/>
+          <a:p>
+            <a:pPr algn="ctr"/>
+            <a:endParaRPr kumimoji="1" lang="ja-JP" altLang="en-US" dirty="0">
+              <a:solidFill>
+                <a:sysClr val="windowText" lastClr="000000"/>
+              </a:solidFill>
+              <a:latin typeface="F910新コミック体" panose="02000600000000000000" pitchFamily="50" charset="-128"/>
+              <a:ea typeface="F910新コミック体" panose="02000600000000000000" pitchFamily="50" charset="-128"/>
+            </a:endParaRPr>
+          </a:p>
+        </p:txBody>
+      </p:sp>
+    </p:spTree>
+    <p:extLst>
+      <p:ext uri="{BB962C8B-B14F-4D97-AF65-F5344CB8AC3E}">
+        <p14:creationId xmlns:p14="http://schemas.microsoft.com/office/powerpoint/2010/main" val="4267597512"/>
       </p:ext>
     </p:extLst>
   </p:cSld>
